--- a/docs/nslides/479-ch1-1_8.pptx
+++ b/docs/nslides/479-ch1-1_8.pptx
@@ -5271,7 +5271,7 @@
             </a:pPr>
             <a:r>
               <a:rPr/>
-              <a:t>2024-01-31</a:t>
+              <a:t>2024-02-29</a:t>
             </a:r>
           </a:p>
         </p:txBody>

--- a/docs/nslides/479-ch1-1_8.pptx
+++ b/docs/nslides/479-ch1-1_8.pptx
@@ -5271,7 +5271,7 @@
             </a:pPr>
             <a:r>
               <a:rPr/>
-              <a:t>2024-02-29</a:t>
+              <a:t>2024-01-31</a:t>
             </a:r>
           </a:p>
         </p:txBody>
